--- a/01 Intro + Opsamling + Interfaces/OO recap.pptx
+++ b/01 Intro + Opsamling + Interfaces/OO recap.pptx
@@ -1179,17 +1179,8 @@
               <a:rPr lang="da-DK" sz="2000" b="0" strike="noStrike" spc="-1" dirty="0">
                 <a:latin typeface="Arial"/>
               </a:rPr>
-              <a:t> it</a:t>
-            </a:r>
-            <a:r>
-              <a:rPr lang="da-DK" sz="2000" b="0" strike="noStrike" spc="-1" dirty="0" smtClean="0">
-                <a:latin typeface="Arial"/>
-              </a:rPr>
-              <a:t>.</a:t>
-            </a:r>
-            <a:endParaRPr lang="da-DK" sz="2000" b="0" strike="noStrike" spc="-1" dirty="0" smtClean="0">
-              <a:latin typeface="Arial"/>
-            </a:endParaRPr>
+              <a:t> it.</a:t>
+            </a:r>
           </a:p>
         </p:txBody>
       </p:sp>
@@ -1320,157 +1311,157 @@
               </a:lnSpc>
             </a:pPr>
             <a:r>
-              <a:rPr lang="da-DK" sz="2000" b="0" strike="noStrike" spc="-1" dirty="0" err="1" smtClean="0">
+              <a:rPr lang="da-DK" sz="2000" b="0" strike="noStrike" spc="-1" dirty="0" err="1">
                 <a:latin typeface="Arial"/>
               </a:rPr>
               <a:t>Benefits</a:t>
             </a:r>
             <a:r>
-              <a:rPr lang="da-DK" sz="2000" b="0" strike="noStrike" spc="-1" dirty="0" smtClean="0">
+              <a:rPr lang="da-DK" sz="2000" b="0" strike="noStrike" spc="-1" dirty="0">
                 <a:latin typeface="Arial"/>
               </a:rPr>
               <a:t>: </a:t>
             </a:r>
             <a:r>
-              <a:rPr lang="da-DK" sz="2000" b="0" strike="noStrike" spc="-1" dirty="0" err="1" smtClean="0">
+              <a:rPr lang="da-DK" sz="2000" b="0" strike="noStrike" spc="-1" dirty="0" err="1">
                 <a:latin typeface="Arial"/>
               </a:rPr>
               <a:t>Ease</a:t>
             </a:r>
             <a:r>
-              <a:rPr lang="da-DK" sz="2000" b="0" strike="noStrike" spc="-1" dirty="0" smtClean="0">
+              <a:rPr lang="da-DK" sz="2000" b="0" strike="noStrike" spc="-1" dirty="0">
                 <a:latin typeface="Arial"/>
               </a:rPr>
               <a:t> of </a:t>
             </a:r>
             <a:r>
-              <a:rPr lang="da-DK" sz="2000" b="0" strike="noStrike" spc="-1" dirty="0" err="1" smtClean="0">
+              <a:rPr lang="da-DK" sz="2000" b="0" strike="noStrike" spc="-1" dirty="0" err="1">
                 <a:latin typeface="Arial"/>
               </a:rPr>
               <a:t>change</a:t>
             </a:r>
             <a:r>
-              <a:rPr lang="da-DK" sz="2000" b="0" strike="noStrike" spc="-1" dirty="0" smtClean="0">
+              <a:rPr lang="da-DK" sz="2000" b="0" strike="noStrike" spc="-1" dirty="0">
                 <a:latin typeface="Arial"/>
               </a:rPr>
               <a:t>, </a:t>
             </a:r>
             <a:r>
-              <a:rPr lang="da-DK" sz="2000" b="0" strike="noStrike" spc="-1" dirty="0" err="1" smtClean="0">
+              <a:rPr lang="da-DK" sz="2000" b="0" strike="noStrike" spc="-1" dirty="0" err="1">
                 <a:latin typeface="Arial"/>
               </a:rPr>
               <a:t>lower</a:t>
             </a:r>
             <a:r>
-              <a:rPr lang="da-DK" sz="2000" b="0" strike="noStrike" spc="-1" dirty="0" smtClean="0">
+              <a:rPr lang="da-DK" sz="2000" b="0" strike="noStrike" spc="-1" dirty="0">
                 <a:latin typeface="Arial"/>
               </a:rPr>
               <a:t> </a:t>
             </a:r>
             <a:r>
-              <a:rPr lang="da-DK" sz="2000" b="0" strike="noStrike" spc="-1" dirty="0" err="1" smtClean="0">
+              <a:rPr lang="da-DK" sz="2000" b="0" strike="noStrike" spc="-1" dirty="0" err="1">
                 <a:latin typeface="Arial"/>
               </a:rPr>
               <a:t>coupling</a:t>
             </a:r>
             <a:r>
-              <a:rPr lang="da-DK" sz="2000" b="0" strike="noStrike" spc="-1" dirty="0" smtClean="0">
+              <a:rPr lang="da-DK" sz="2000" b="0" strike="noStrike" spc="-1" dirty="0">
                 <a:latin typeface="Arial"/>
               </a:rPr>
               <a:t>, </a:t>
             </a:r>
             <a:r>
-              <a:rPr lang="da-DK" sz="2000" b="0" strike="noStrike" spc="-1" dirty="0" err="1" smtClean="0">
+              <a:rPr lang="da-DK" sz="2000" b="0" strike="noStrike" spc="-1" dirty="0" err="1">
                 <a:latin typeface="Arial"/>
               </a:rPr>
               <a:t>clients</a:t>
             </a:r>
             <a:r>
-              <a:rPr lang="da-DK" sz="2000" b="0" strike="noStrike" spc="-1" dirty="0" smtClean="0">
+              <a:rPr lang="da-DK" sz="2000" b="0" strike="noStrike" spc="-1" dirty="0">
                 <a:latin typeface="Arial"/>
               </a:rPr>
               <a:t> </a:t>
             </a:r>
             <a:r>
-              <a:rPr lang="da-DK" sz="2000" b="0" strike="noStrike" spc="-1" dirty="0" err="1" smtClean="0">
+              <a:rPr lang="da-DK" sz="2000" b="0" strike="noStrike" spc="-1" dirty="0" err="1">
                 <a:latin typeface="Arial"/>
               </a:rPr>
               <a:t>can</a:t>
             </a:r>
             <a:r>
-              <a:rPr lang="da-DK" sz="2000" b="0" strike="noStrike" spc="-1" dirty="0" smtClean="0">
+              <a:rPr lang="da-DK" sz="2000" b="0" strike="noStrike" spc="-1" dirty="0">
                 <a:latin typeface="Arial"/>
               </a:rPr>
               <a:t> </a:t>
             </a:r>
             <a:r>
-              <a:rPr lang="da-DK" sz="2000" b="0" strike="noStrike" spc="-1" dirty="0" err="1" smtClean="0">
+              <a:rPr lang="da-DK" sz="2000" b="0" strike="noStrike" spc="-1" dirty="0" err="1">
                 <a:latin typeface="Arial"/>
               </a:rPr>
               <a:t>focus</a:t>
             </a:r>
             <a:r>
-              <a:rPr lang="da-DK" sz="2000" b="0" strike="noStrike" spc="-1" dirty="0" smtClean="0">
+              <a:rPr lang="da-DK" sz="2000" b="0" strike="noStrike" spc="-1" dirty="0">
                 <a:latin typeface="Arial"/>
               </a:rPr>
               <a:t> on </a:t>
             </a:r>
             <a:r>
-              <a:rPr lang="da-DK" sz="2000" b="0" strike="noStrike" spc="-1" dirty="0" err="1" smtClean="0">
+              <a:rPr lang="da-DK" sz="2000" b="0" strike="noStrike" spc="-1" dirty="0" err="1">
                 <a:latin typeface="Arial"/>
               </a:rPr>
               <a:t>what</a:t>
             </a:r>
             <a:r>
-              <a:rPr lang="da-DK" sz="2000" b="0" strike="noStrike" spc="-1" dirty="0" smtClean="0">
+              <a:rPr lang="da-DK" sz="2000" b="0" strike="noStrike" spc="-1" dirty="0">
                 <a:latin typeface="Arial"/>
               </a:rPr>
               <a:t> an </a:t>
             </a:r>
             <a:r>
-              <a:rPr lang="da-DK" sz="2000" b="0" strike="noStrike" spc="-1" dirty="0" err="1" smtClean="0">
+              <a:rPr lang="da-DK" sz="2000" b="0" strike="noStrike" spc="-1" dirty="0" err="1">
                 <a:latin typeface="Arial"/>
               </a:rPr>
               <a:t>class</a:t>
             </a:r>
             <a:r>
-              <a:rPr lang="da-DK" sz="2000" b="0" strike="noStrike" spc="-1" dirty="0" smtClean="0">
+              <a:rPr lang="da-DK" sz="2000" b="0" strike="noStrike" spc="-1" dirty="0">
                 <a:latin typeface="Arial"/>
               </a:rPr>
               <a:t> </a:t>
             </a:r>
             <a:r>
-              <a:rPr lang="da-DK" sz="2000" b="0" strike="noStrike" spc="-1" dirty="0" err="1" smtClean="0">
+              <a:rPr lang="da-DK" sz="2000" b="0" strike="noStrike" spc="-1" dirty="0" err="1">
                 <a:latin typeface="Arial"/>
               </a:rPr>
               <a:t>does</a:t>
             </a:r>
             <a:r>
-              <a:rPr lang="da-DK" sz="2000" b="0" strike="noStrike" spc="-1" dirty="0" smtClean="0">
+              <a:rPr lang="da-DK" sz="2000" b="0" strike="noStrike" spc="-1" dirty="0">
                 <a:latin typeface="Arial"/>
               </a:rPr>
               <a:t>, not </a:t>
             </a:r>
             <a:r>
-              <a:rPr lang="da-DK" sz="2000" b="0" strike="noStrike" spc="-1" dirty="0" err="1" smtClean="0">
+              <a:rPr lang="da-DK" sz="2000" b="0" strike="noStrike" spc="-1" dirty="0" err="1">
                 <a:latin typeface="Arial"/>
               </a:rPr>
               <a:t>how</a:t>
             </a:r>
             <a:r>
-              <a:rPr lang="da-DK" sz="2000" b="0" strike="noStrike" spc="-1" dirty="0" smtClean="0">
+              <a:rPr lang="da-DK" sz="2000" b="0" strike="noStrike" spc="-1" dirty="0">
                 <a:latin typeface="Arial"/>
               </a:rPr>
               <a:t> it </a:t>
             </a:r>
             <a:r>
-              <a:rPr lang="da-DK" sz="2000" b="0" strike="noStrike" spc="-1" dirty="0" err="1" smtClean="0">
+              <a:rPr lang="da-DK" sz="2000" b="0" strike="noStrike" spc="-1" dirty="0" err="1">
                 <a:latin typeface="Arial"/>
               </a:rPr>
               <a:t>does</a:t>
             </a:r>
             <a:r>
-              <a:rPr lang="da-DK" sz="2000" b="0" strike="noStrike" spc="-1" dirty="0" smtClean="0">
+              <a:rPr lang="da-DK" sz="2000" b="0" strike="noStrike" spc="-1" dirty="0">
                 <a:latin typeface="Arial"/>
               </a:rPr>
               <a:t> it.</a:t>
@@ -7191,9 +7182,6 @@
               </a:rPr>
               <a:t>Object-oriented programming</a:t>
             </a:r>
-            <a:r>
-              <a:t/>
-            </a:r>
             <a:br/>
             <a:r>
               <a:rPr lang="da-DK" sz="2400" b="0" strike="noStrike" spc="-1">
@@ -7270,17 +7258,10 @@
     <mc:Choice Requires="p14">
       <p:transition p14:dur="10"/>
     </mc:Choice>
-    <mc:Fallback xmlns:p15="http://schemas.microsoft.com/office/powerpoint/2012/main" xmlns="">
+    <mc:Fallback xmlns="" xmlns:p15="http://schemas.microsoft.com/office/powerpoint/2012/main">
       <p:transition/>
     </mc:Fallback>
   </mc:AlternateContent>
-  <p:timing>
-    <p:tnLst>
-      <p:par>
-        <p:cTn id="1" dur="indefinite" restart="never" nodeType="tmRoot"/>
-      </p:par>
-    </p:tnLst>
-  </p:timing>
 </p:sld>
 </file>
 
@@ -7689,7 +7670,7 @@
     <mc:Choice Requires="p14">
       <p:transition p14:dur="10"/>
     </mc:Choice>
-    <mc:Fallback xmlns:p15="http://schemas.microsoft.com/office/powerpoint/2012/main" xmlns="">
+    <mc:Fallback xmlns="" xmlns:p15="http://schemas.microsoft.com/office/powerpoint/2012/main">
       <p:transition/>
     </mc:Fallback>
   </mc:AlternateContent>
@@ -7929,9 +7910,6 @@
               </a:rPr>
               <a:t>Interfaces in C#: </a:t>
             </a:r>
-            <a:r>
-              <a:t/>
-            </a:r>
             <a:br/>
             <a:r>
               <a:rPr lang="en-US" sz="4000" b="0" strike="noStrike" spc="-1">
@@ -8362,7 +8340,7 @@
     <mc:Choice Requires="p14">
       <p:transition p14:dur="10"/>
     </mc:Choice>
-    <mc:Fallback xmlns:p15="http://schemas.microsoft.com/office/powerpoint/2012/main" xmlns="">
+    <mc:Fallback xmlns="" xmlns:p15="http://schemas.microsoft.com/office/powerpoint/2012/main">
       <p:transition/>
     </mc:Fallback>
   </mc:AlternateContent>
@@ -8855,12 +8833,6 @@
               </a:rPr>
               <a:t>  	</a:t>
             </a:r>
-            <a:endParaRPr lang="da-DK" sz="1200" b="0" strike="noStrike" spc="-1" dirty="0" smtClean="0">
-              <a:solidFill>
-                <a:srgbClr val="294E92"/>
-              </a:solidFill>
-              <a:latin typeface="Consolas"/>
-            </a:endParaRPr>
           </a:p>
           <a:p>
             <a:pPr>
@@ -9047,9 +9019,6 @@
                 <a:latin typeface="Calibri"/>
               </a:rPr>
               <a:t> declares that it </a:t>
-            </a:r>
-            <a:r>
-              <a:t/>
             </a:r>
             <a:br/>
             <a:r>
@@ -9569,9 +9538,6 @@
               </a:rPr>
               <a:t>Interface implementation </a:t>
             </a:r>
-            <a:r>
-              <a:t/>
-            </a:r>
             <a:br/>
             <a:r>
               <a:rPr lang="en-GB" sz="2400" b="0" strike="noStrike" spc="-1">
@@ -9708,7 +9674,7 @@
     <mc:Choice Requires="p14">
       <p:transition p14:dur="10"/>
     </mc:Choice>
-    <mc:Fallback xmlns:p15="http://schemas.microsoft.com/office/powerpoint/2012/main" xmlns="">
+    <mc:Fallback xmlns="" xmlns:p15="http://schemas.microsoft.com/office/powerpoint/2012/main">
       <p:transition/>
     </mc:Fallback>
   </mc:AlternateContent>
@@ -11449,7 +11415,7 @@
     <mc:Choice Requires="p14">
       <p:transition p14:dur="10"/>
     </mc:Choice>
-    <mc:Fallback xmlns:p15="http://schemas.microsoft.com/office/powerpoint/2012/main" xmlns="">
+    <mc:Fallback xmlns="" xmlns:p15="http://schemas.microsoft.com/office/powerpoint/2012/main">
       <p:transition/>
     </mc:Fallback>
   </mc:AlternateContent>
@@ -11695,25 +11661,16 @@
               </a:lnSpc>
             </a:pPr>
             <a:r>
-              <a:rPr lang="da-DK" sz="1200" b="0" strike="noStrike" spc="-1" dirty="0" err="1" smtClean="0">
+              <a:rPr lang="da-DK" sz="1200" b="0" strike="noStrike" spc="-1" dirty="0">
                 <a:solidFill>
                   <a:srgbClr val="294E92"/>
                 </a:solidFill>
                 <a:latin typeface="Consolas"/>
               </a:rPr>
-              <a:t>class</a:t>
-            </a:r>
-            <a:r>
-              <a:rPr lang="da-DK" sz="1200" b="0" strike="noStrike" spc="-1" smtClean="0">
-                <a:solidFill>
-                  <a:srgbClr val="294E92"/>
-                </a:solidFill>
-                <a:latin typeface="Consolas"/>
-              </a:rPr>
-              <a:t> </a:t>
-            </a:r>
-            <a:r>
-              <a:rPr lang="da-DK" sz="1200" b="0" strike="noStrike" spc="-1" smtClean="0">
+              <a:t>class </a:t>
+            </a:r>
+            <a:r>
+              <a:rPr lang="da-DK" sz="1200" b="0" strike="noStrike" spc="-1" dirty="0">
                 <a:solidFill>
                   <a:srgbClr val="000000"/>
                 </a:solidFill>
@@ -12108,7 +12065,7 @@
               <a:t>		</a:t>
             </a:r>
             <a:r>
-              <a:rPr lang="da-DK" sz="1200" b="0" strike="noStrike" spc="-1" dirty="0" err="1" smtClean="0">
+              <a:rPr lang="da-DK" sz="1200" b="0" strike="noStrike" spc="-1" dirty="0" err="1">
                 <a:solidFill>
                   <a:srgbClr val="294E92"/>
                 </a:solidFill>
@@ -12117,7 +12074,7 @@
               <a:t>foreach</a:t>
             </a:r>
             <a:r>
-              <a:rPr lang="da-DK" sz="1200" b="0" strike="noStrike" spc="-1" dirty="0" smtClean="0">
+              <a:rPr lang="da-DK" sz="1200" b="0" strike="noStrike" spc="-1" dirty="0">
                 <a:solidFill>
                   <a:srgbClr val="294E92"/>
                 </a:solidFill>
@@ -12126,7 +12083,7 @@
               <a:t> (</a:t>
             </a:r>
             <a:r>
-              <a:rPr lang="da-DK" sz="1200" b="0" strike="noStrike" spc="-1" dirty="0" err="1" smtClean="0">
+              <a:rPr lang="da-DK" sz="1200" b="0" strike="noStrike" spc="-1" dirty="0" err="1">
                 <a:solidFill>
                   <a:srgbClr val="294E92"/>
                 </a:solidFill>
@@ -12135,7 +12092,7 @@
               <a:t>IShape</a:t>
             </a:r>
             <a:r>
-              <a:rPr lang="da-DK" sz="1200" b="0" strike="noStrike" spc="-1" dirty="0" smtClean="0">
+              <a:rPr lang="da-DK" sz="1200" b="0" strike="noStrike" spc="-1" dirty="0">
                 <a:solidFill>
                   <a:srgbClr val="294E92"/>
                 </a:solidFill>
@@ -12144,7 +12101,7 @@
               <a:t> </a:t>
             </a:r>
             <a:r>
-              <a:rPr lang="da-DK" sz="1200" b="0" strike="noStrike" spc="-1" dirty="0" smtClean="0">
+              <a:rPr lang="da-DK" sz="1200" b="0" strike="noStrike" spc="-1" dirty="0">
                 <a:solidFill>
                   <a:srgbClr val="000000"/>
                 </a:solidFill>
@@ -12168,19 +12125,10 @@
                 </a:solidFill>
                 <a:latin typeface="Consolas"/>
               </a:rPr>
-              <a:t> </a:t>
-            </a:r>
-            <a:r>
-              <a:rPr lang="da-DK" sz="1200" b="0" strike="noStrike" spc="-1" dirty="0" smtClean="0">
-                <a:solidFill>
-                  <a:srgbClr val="000000"/>
-                </a:solidFill>
-                <a:latin typeface="Consolas"/>
-              </a:rPr>
-              <a:t>_</a:t>
-            </a:r>
-            <a:r>
-              <a:rPr lang="da-DK" sz="1200" b="0" strike="noStrike" spc="-1" dirty="0" err="1" smtClean="0">
+              <a:t> _</a:t>
+            </a:r>
+            <a:r>
+              <a:rPr lang="da-DK" sz="1200" b="0" strike="noStrike" spc="-1" dirty="0" err="1">
                 <a:solidFill>
                   <a:srgbClr val="000000"/>
                 </a:solidFill>
@@ -12189,7 +12137,7 @@
               <a:t>shapes</a:t>
             </a:r>
             <a:r>
-              <a:rPr lang="da-DK" sz="1200" spc="-1" dirty="0" smtClean="0">
+              <a:rPr lang="da-DK" sz="1200" spc="-1" dirty="0">
                 <a:solidFill>
                   <a:srgbClr val="000000"/>
                 </a:solidFill>
@@ -12205,14 +12153,11 @@
               </a:lnSpc>
             </a:pPr>
             <a:r>
-              <a:rPr lang="en-US" sz="1200" b="0" strike="noStrike" spc="-1" dirty="0" smtClean="0">
+              <a:rPr lang="en-US" sz="1200" b="0" strike="noStrike" spc="-1" dirty="0">
                 <a:latin typeface="Arial"/>
               </a:rPr>
               <a:t>                                           {</a:t>
             </a:r>
-            <a:endParaRPr lang="en-US" sz="1200" b="0" strike="noStrike" spc="-1" dirty="0">
-              <a:latin typeface="Arial"/>
-            </a:endParaRPr>
           </a:p>
           <a:p>
             <a:pPr>
@@ -12227,16 +12172,25 @@
                 </a:solidFill>
                 <a:latin typeface="Consolas"/>
               </a:rPr>
-              <a:t>		</a:t>
-            </a:r>
-            <a:r>
-              <a:rPr lang="da-DK" sz="1200" b="0" strike="noStrike" spc="-1" dirty="0" smtClean="0">
-                <a:solidFill>
-                  <a:srgbClr val="000000"/>
-                </a:solidFill>
-                <a:latin typeface="Consolas"/>
-              </a:rPr>
-              <a:t>  res </a:t>
+              <a:t>		  res += </a:t>
+            </a:r>
+            <a:r>
+              <a:rPr lang="da-DK" sz="1200" b="0" strike="noStrike" spc="-1" dirty="0" err="1">
+                <a:solidFill>
+                  <a:srgbClr val="000000"/>
+                </a:solidFill>
+                <a:latin typeface="Consolas"/>
+              </a:rPr>
+              <a:t>s.</a:t>
+            </a:r>
+            <a:r>
+              <a:rPr lang="da-DK" sz="1200" b="1" strike="noStrike" spc="-1" dirty="0" err="1">
+                <a:solidFill>
+                  <a:srgbClr val="000000"/>
+                </a:solidFill>
+                <a:latin typeface="Consolas"/>
+              </a:rPr>
+              <a:t>GetArea</a:t>
             </a:r>
             <a:r>
               <a:rPr lang="da-DK" sz="1200" b="0" strike="noStrike" spc="-1" dirty="0">
@@ -12245,33 +12199,6 @@
                 </a:solidFill>
                 <a:latin typeface="Consolas"/>
               </a:rPr>
-              <a:t>+= </a:t>
-            </a:r>
-            <a:r>
-              <a:rPr lang="da-DK" sz="1200" b="0" strike="noStrike" spc="-1" dirty="0" err="1">
-                <a:solidFill>
-                  <a:srgbClr val="000000"/>
-                </a:solidFill>
-                <a:latin typeface="Consolas"/>
-              </a:rPr>
-              <a:t>s.</a:t>
-            </a:r>
-            <a:r>
-              <a:rPr lang="da-DK" sz="1200" b="1" strike="noStrike" spc="-1" dirty="0" err="1">
-                <a:solidFill>
-                  <a:srgbClr val="000000"/>
-                </a:solidFill>
-                <a:latin typeface="Consolas"/>
-              </a:rPr>
-              <a:t>GetArea</a:t>
-            </a:r>
-            <a:r>
-              <a:rPr lang="da-DK" sz="1200" b="0" strike="noStrike" spc="-1" dirty="0" smtClean="0">
-                <a:solidFill>
-                  <a:srgbClr val="000000"/>
-                </a:solidFill>
-                <a:latin typeface="Consolas"/>
-              </a:rPr>
               <a:t>();</a:t>
             </a:r>
           </a:p>
@@ -12288,16 +12215,7 @@
                 </a:solidFill>
                 <a:latin typeface="Consolas"/>
               </a:rPr>
-              <a:t> </a:t>
-            </a:r>
-            <a:r>
-              <a:rPr lang="en-US" sz="1200" spc="-1" dirty="0" smtClean="0">
-                <a:solidFill>
-                  <a:srgbClr val="000000"/>
-                </a:solidFill>
-                <a:latin typeface="Consolas"/>
-              </a:rPr>
-              <a:t>                     }</a:t>
+              <a:t>                      }</a:t>
             </a:r>
             <a:endParaRPr lang="en-US" sz="1200" b="0" strike="noStrike" spc="-1" dirty="0">
               <a:latin typeface="Arial"/>
@@ -12437,7 +12355,7 @@
               </a:lnSpc>
             </a:pPr>
             <a:r>
-              <a:rPr lang="da-DK" sz="1600" spc="-1" dirty="0" smtClean="0">
+              <a:rPr lang="da-DK" sz="1600" spc="-1" dirty="0">
                 <a:solidFill>
                   <a:srgbClr val="000000"/>
                 </a:solidFill>
@@ -12446,7 +12364,7 @@
               <a:t>Screen</a:t>
             </a:r>
             <a:r>
-              <a:rPr lang="da-DK" sz="1600" b="0" strike="noStrike" spc="-1" dirty="0" smtClean="0">
+              <a:rPr lang="da-DK" sz="1600" b="0" strike="noStrike" spc="-1" dirty="0">
                 <a:solidFill>
                   <a:srgbClr val="000000"/>
                 </a:solidFill>
@@ -12576,8 +12494,8 @@
         </p:nvSpPr>
         <p:spPr>
           <a:xfrm>
-            <a:off x="3204000" y="2701080"/>
-            <a:ext cx="2016000" cy="223560"/>
+            <a:off x="3203999" y="2701080"/>
+            <a:ext cx="2154599" cy="73323"/>
           </a:xfrm>
           <a:custGeom>
             <a:avLst/>
@@ -12724,8 +12642,8 @@
         </p:nvSpPr>
         <p:spPr>
           <a:xfrm flipV="1">
-            <a:off x="3209040" y="3224520"/>
-            <a:ext cx="2894400" cy="368640"/>
+            <a:off x="3203640" y="3048105"/>
+            <a:ext cx="3154817" cy="614099"/>
           </a:xfrm>
           <a:custGeom>
             <a:avLst/>
@@ -12823,7 +12741,7 @@
               </a:lnSpc>
             </a:pPr>
             <a:r>
-              <a:rPr lang="da-DK" sz="1600" b="0" strike="noStrike" spc="-1" dirty="0" smtClean="0">
+              <a:rPr lang="da-DK" sz="1600" b="0" strike="noStrike" spc="-1" dirty="0">
                 <a:solidFill>
                   <a:srgbClr val="000000"/>
                 </a:solidFill>
@@ -12832,7 +12750,7 @@
               <a:t>Screen</a:t>
             </a:r>
             <a:r>
-              <a:rPr lang="da-DK" sz="1600" b="0" strike="noStrike" spc="-1" dirty="0" smtClean="0">
+              <a:rPr lang="da-DK" sz="1600" b="0" strike="noStrike" spc="-1" dirty="0">
                 <a:solidFill>
                   <a:srgbClr val="000000"/>
                 </a:solidFill>
@@ -13018,7 +12936,7 @@
     <mc:Choice Requires="p14">
       <p:transition p14:dur="10"/>
     </mc:Choice>
-    <mc:Fallback xmlns:p15="http://schemas.microsoft.com/office/powerpoint/2012/main" xmlns="">
+    <mc:Fallback xmlns="" xmlns:p15="http://schemas.microsoft.com/office/powerpoint/2012/main">
       <p:transition/>
     </mc:Fallback>
   </mc:AlternateContent>
@@ -13393,17 +13311,10 @@
     <mc:Choice Requires="p14">
       <p:transition p14:dur="10"/>
     </mc:Choice>
-    <mc:Fallback xmlns:p15="http://schemas.microsoft.com/office/powerpoint/2012/main" xmlns="">
+    <mc:Fallback xmlns="" xmlns:p15="http://schemas.microsoft.com/office/powerpoint/2012/main">
       <p:transition/>
     </mc:Fallback>
   </mc:AlternateContent>
-  <p:timing>
-    <p:tnLst>
-      <p:par>
-        <p:cTn id="1" dur="indefinite" restart="never" nodeType="tmRoot"/>
-      </p:par>
-    </p:tnLst>
-  </p:timing>
 </p:sld>
 </file>
 
@@ -13708,7 +13619,7 @@
     <mc:Choice Requires="p14">
       <p:transition p14:dur="10"/>
     </mc:Choice>
-    <mc:Fallback xmlns:p15="http://schemas.microsoft.com/office/powerpoint/2012/main" xmlns="">
+    <mc:Fallback xmlns="" xmlns:p15="http://schemas.microsoft.com/office/powerpoint/2012/main">
       <p:transition/>
     </mc:Fallback>
   </mc:AlternateContent>
@@ -13996,56 +13907,14 @@
               <a:buChar char="•"/>
             </a:pPr>
             <a:r>
-              <a:rPr lang="en-US" sz="2400" b="0" strike="noStrike" spc="-1" dirty="0" smtClean="0">
+              <a:rPr lang="en-US" sz="2400" b="0" strike="noStrike" spc="-1" dirty="0">
                 <a:solidFill>
                   <a:srgbClr val="000000"/>
                 </a:solidFill>
                 <a:latin typeface="Calibri"/>
               </a:rPr>
-              <a:t>An interface (superclass) </a:t>
-            </a:r>
-            <a:r>
-              <a:rPr lang="en-US" sz="2400" b="0" strike="noStrike" spc="-1" dirty="0">
-                <a:solidFill>
-                  <a:srgbClr val="000000"/>
-                </a:solidFill>
-                <a:latin typeface="Calibri"/>
-              </a:rPr>
-              <a:t>defines the common traits of a subclass through </a:t>
-            </a:r>
-            <a:r>
-              <a:rPr lang="en-US" sz="2400" b="0" strike="noStrike" spc="-1" dirty="0" smtClean="0">
-                <a:solidFill>
-                  <a:srgbClr val="000000"/>
-                </a:solidFill>
-                <a:latin typeface="Calibri"/>
-              </a:rPr>
-              <a:t>an interface (set </a:t>
-            </a:r>
-            <a:r>
-              <a:rPr lang="en-US" sz="2400" b="0" strike="noStrike" spc="-1" dirty="0">
-                <a:solidFill>
-                  <a:srgbClr val="000000"/>
-                </a:solidFill>
-                <a:latin typeface="Calibri"/>
-              </a:rPr>
-              <a:t>of abstract </a:t>
-            </a:r>
-            <a:r>
-              <a:rPr lang="en-US" sz="2400" b="0" strike="noStrike" spc="-1" dirty="0" smtClean="0">
-                <a:solidFill>
-                  <a:srgbClr val="000000"/>
-                </a:solidFill>
-                <a:latin typeface="Calibri"/>
-              </a:rPr>
-              <a:t>methods)</a:t>
-            </a:r>
-            <a:endParaRPr lang="en-US" sz="2400" b="0" strike="noStrike" spc="-1" dirty="0">
-              <a:solidFill>
-                <a:srgbClr val="000000"/>
-              </a:solidFill>
-              <a:latin typeface="Calibri"/>
-            </a:endParaRPr>
+              <a:t>An interface (superclass) defines the common traits of a subclass through an interface (set of abstract methods)</a:t>
+            </a:r>
           </a:p>
           <a:p>
             <a:pPr>
@@ -14087,7 +13956,7 @@
               <a:t>I</a:t>
             </a:r>
             <a:r>
-              <a:rPr lang="en-US" sz="2400" b="0" strike="noStrike" spc="-1" dirty="0" smtClean="0">
+              <a:rPr lang="en-US" sz="2400" b="0" strike="noStrike" spc="-1" dirty="0">
                 <a:solidFill>
                   <a:srgbClr val="000000"/>
                 </a:solidFill>
@@ -14096,7 +13965,7 @@
               <a:t>mplementations of the interfaces </a:t>
             </a:r>
             <a:r>
-              <a:rPr lang="en-US" sz="2400" spc="-1" dirty="0" smtClean="0">
+              <a:rPr lang="en-US" sz="2400" spc="-1" dirty="0">
                 <a:solidFill>
                   <a:srgbClr val="000000"/>
                 </a:solidFill>
@@ -14105,40 +13974,13 @@
               <a:t>(s</a:t>
             </a:r>
             <a:r>
-              <a:rPr lang="en-US" sz="2400" b="0" strike="noStrike" spc="-1" dirty="0" smtClean="0">
+              <a:rPr lang="en-US" sz="2400" b="0" strike="noStrike" spc="-1" dirty="0">
                 <a:solidFill>
                   <a:srgbClr val="000000"/>
                 </a:solidFill>
                 <a:latin typeface="Calibri"/>
               </a:rPr>
-              <a:t>ubclasses </a:t>
-            </a:r>
-            <a:r>
-              <a:rPr lang="en-US" sz="2400" b="0" strike="noStrike" spc="-1" dirty="0">
-                <a:solidFill>
-                  <a:srgbClr val="000000"/>
-                </a:solidFill>
-                <a:latin typeface="Calibri"/>
-              </a:rPr>
-              <a:t>of the </a:t>
-            </a:r>
-            <a:r>
-              <a:rPr lang="en-US" sz="2400" b="0" strike="noStrike" spc="-1" dirty="0" smtClean="0">
-                <a:solidFill>
-                  <a:srgbClr val="000000"/>
-                </a:solidFill>
-                <a:latin typeface="Calibri"/>
-              </a:rPr>
-              <a:t>superclass) </a:t>
-            </a:r>
-            <a:r>
-              <a:rPr lang="en-US" sz="2400" b="0" strike="noStrike" spc="-1" dirty="0">
-                <a:solidFill>
-                  <a:srgbClr val="000000"/>
-                </a:solidFill>
-                <a:latin typeface="Calibri"/>
-              </a:rPr>
-              <a:t>implement the methods</a:t>
+              <a:t>ubclasses of the superclass) implement the methods</a:t>
             </a:r>
           </a:p>
           <a:p>
@@ -14271,7 +14113,7 @@
     <mc:Choice Requires="p14">
       <p:transition p14:dur="10"/>
     </mc:Choice>
-    <mc:Fallback xmlns:p15="http://schemas.microsoft.com/office/powerpoint/2012/main" xmlns="">
+    <mc:Fallback xmlns="" xmlns:p15="http://schemas.microsoft.com/office/powerpoint/2012/main">
       <p:transition/>
     </mc:Fallback>
   </mc:AlternateContent>
@@ -14777,17 +14619,10 @@
     <mc:Choice Requires="p14">
       <p:transition p14:dur="10"/>
     </mc:Choice>
-    <mc:Fallback xmlns:p15="http://schemas.microsoft.com/office/powerpoint/2012/main" xmlns="">
+    <mc:Fallback xmlns="" xmlns:p15="http://schemas.microsoft.com/office/powerpoint/2012/main">
       <p:transition/>
     </mc:Fallback>
   </mc:AlternateContent>
-  <p:timing>
-    <p:tnLst>
-      <p:par>
-        <p:cTn id="1" dur="indefinite" restart="never" nodeType="tmRoot"/>
-      </p:par>
-    </p:tnLst>
-  </p:timing>
 </p:sld>
 </file>
 
@@ -15476,9 +15311,6 @@
               </a:rPr>
               <a:t>Implementation using </a:t>
             </a:r>
-            <a:r>
-              <a:t/>
-            </a:r>
             <a:br/>
             <a:r>
               <a:rPr lang="en-US" sz="2000" b="0" strike="noStrike" spc="-1">
@@ -15938,7 +15770,7 @@
     <mc:Choice Requires="p14">
       <p:transition p14:dur="10"/>
     </mc:Choice>
-    <mc:Fallback xmlns:p15="http://schemas.microsoft.com/office/powerpoint/2012/main" xmlns="">
+    <mc:Fallback xmlns="" xmlns:p15="http://schemas.microsoft.com/office/powerpoint/2012/main">
       <p:transition/>
     </mc:Fallback>
   </mc:AlternateContent>
@@ -16151,38 +15983,14 @@
               <a:buChar char="•"/>
             </a:pPr>
             <a:r>
-              <a:rPr lang="en-US" sz="2800" b="0" strike="noStrike" spc="-1" dirty="0" smtClean="0">
+              <a:rPr lang="en-US" sz="2800" b="0" strike="noStrike" spc="-1" dirty="0">
                 <a:solidFill>
                   <a:srgbClr val="000000"/>
                 </a:solidFill>
                 <a:latin typeface="Calibri"/>
               </a:rPr>
-              <a:t>Interfaces + the </a:t>
-            </a:r>
-            <a:r>
-              <a:rPr lang="en-US" sz="2800" b="0" strike="noStrike" spc="-1" dirty="0">
-                <a:solidFill>
-                  <a:srgbClr val="000000"/>
-                </a:solidFill>
-                <a:latin typeface="Calibri"/>
-              </a:rPr>
-              <a:t>pillars object </a:t>
-            </a:r>
-            <a:r>
-              <a:rPr lang="en-US" sz="2800" b="0" strike="noStrike" spc="-1" dirty="0" smtClean="0">
-                <a:solidFill>
-                  <a:srgbClr val="000000"/>
-                </a:solidFill>
-                <a:latin typeface="Calibri"/>
-              </a:rPr>
-              <a:t>orientation</a:t>
-            </a:r>
-            <a:endParaRPr lang="en-US" sz="2800" b="0" strike="noStrike" spc="-1" dirty="0">
-              <a:solidFill>
-                <a:srgbClr val="000000"/>
-              </a:solidFill>
-              <a:latin typeface="Calibri"/>
-            </a:endParaRPr>
+              <a:t>Interfaces + the pillars object orientation</a:t>
+            </a:r>
           </a:p>
         </p:txBody>
       </p:sp>
@@ -16338,7 +16146,7 @@
     <mc:Choice Requires="p14">
       <p:transition p14:dur="10"/>
     </mc:Choice>
-    <mc:Fallback xmlns:p15="http://schemas.microsoft.com/office/powerpoint/2012/main" xmlns="">
+    <mc:Fallback xmlns="" xmlns:p15="http://schemas.microsoft.com/office/powerpoint/2012/main">
       <p:transition/>
     </mc:Fallback>
   </mc:AlternateContent>
@@ -16835,7 +16643,7 @@
               </a:lnSpc>
             </a:pPr>
             <a:r>
-              <a:rPr lang="da-DK" sz="1600" b="0" strike="noStrike" spc="-1" dirty="0" smtClean="0">
+              <a:rPr lang="da-DK" sz="1600" b="0" strike="noStrike" spc="-1" dirty="0">
                 <a:solidFill>
                   <a:srgbClr val="000000"/>
                 </a:solidFill>
@@ -16951,7 +16759,7 @@
               </a:lnSpc>
             </a:pPr>
             <a:r>
-              <a:rPr lang="da-DK" sz="1600" b="0" strike="noStrike" spc="-1" dirty="0" err="1" smtClean="0">
+              <a:rPr lang="da-DK" sz="1600" b="0" strike="noStrike" spc="-1" dirty="0" err="1">
                 <a:solidFill>
                   <a:srgbClr val="000000"/>
                 </a:solidFill>
@@ -16960,7 +16768,7 @@
               <a:t>Implementing</a:t>
             </a:r>
             <a:r>
-              <a:rPr lang="da-DK" sz="1600" b="0" strike="noStrike" spc="-1" dirty="0" smtClean="0">
+              <a:rPr lang="da-DK" sz="1600" b="0" strike="noStrike" spc="-1" dirty="0">
                 <a:solidFill>
                   <a:srgbClr val="000000"/>
                 </a:solidFill>
@@ -16969,7 +16777,7 @@
               <a:t> </a:t>
             </a:r>
             <a:r>
-              <a:rPr lang="da-DK" sz="1600" b="0" strike="noStrike" spc="-1" dirty="0" err="1" smtClean="0">
+              <a:rPr lang="da-DK" sz="1600" b="0" strike="noStrike" spc="-1" dirty="0" err="1">
                 <a:solidFill>
                   <a:srgbClr val="000000"/>
                 </a:solidFill>
@@ -16978,7 +16786,7 @@
               <a:t>classes</a:t>
             </a:r>
             <a:r>
-              <a:rPr lang="da-DK" sz="1600" b="0" strike="noStrike" spc="-1" dirty="0" smtClean="0">
+              <a:rPr lang="da-DK" sz="1600" b="0" strike="noStrike" spc="-1" dirty="0">
                 <a:solidFill>
                   <a:srgbClr val="000000"/>
                 </a:solidFill>
@@ -17132,7 +16940,7 @@
     <mc:Choice Requires="p14">
       <p:transition p14:dur="10"/>
     </mc:Choice>
-    <mc:Fallback xmlns:p15="http://schemas.microsoft.com/office/powerpoint/2012/main" xmlns="">
+    <mc:Fallback xmlns="" xmlns:p15="http://schemas.microsoft.com/office/powerpoint/2012/main">
       <p:transition/>
     </mc:Fallback>
   </mc:AlternateContent>
@@ -18501,7 +18309,7 @@
               </a:lnSpc>
             </a:pPr>
             <a:r>
-              <a:rPr lang="da-DK" sz="1050" b="0" strike="noStrike" spc="-1" dirty="0" smtClean="0">
+              <a:rPr lang="da-DK" sz="1050" b="0" strike="noStrike" spc="-1" dirty="0">
                 <a:solidFill>
                   <a:srgbClr val="0070C0"/>
                 </a:solidFill>
@@ -18510,7 +18318,7 @@
               <a:t>interface </a:t>
             </a:r>
             <a:r>
-              <a:rPr lang="da-DK" sz="1050" b="0" strike="noStrike" spc="-1" dirty="0" err="1" smtClean="0">
+              <a:rPr lang="da-DK" sz="1050" b="0" strike="noStrike" spc="-1" dirty="0" err="1">
                 <a:solidFill>
                   <a:srgbClr val="000000"/>
                 </a:solidFill>
@@ -18557,7 +18365,7 @@
               <a:t>  </a:t>
             </a:r>
             <a:r>
-              <a:rPr lang="da-DK" sz="1050" b="0" strike="noStrike" spc="-1" dirty="0" err="1" smtClean="0">
+              <a:rPr lang="da-DK" sz="1050" b="0" strike="noStrike" spc="-1" dirty="0" err="1">
                 <a:solidFill>
                   <a:srgbClr val="0070C0"/>
                 </a:solidFill>
@@ -18566,22 +18374,13 @@
               <a:t>void</a:t>
             </a:r>
             <a:r>
-              <a:rPr lang="da-DK" sz="1050" b="0" strike="noStrike" spc="-1" dirty="0" smtClean="0">
-                <a:solidFill>
-                  <a:srgbClr val="000000"/>
-                </a:solidFill>
-                <a:latin typeface="Consolas"/>
-              </a:rPr>
-              <a:t> </a:t>
-            </a:r>
-            <a:r>
               <a:rPr lang="da-DK" sz="1050" b="0" strike="noStrike" spc="-1" dirty="0">
                 <a:solidFill>
                   <a:srgbClr val="000000"/>
                 </a:solidFill>
                 <a:latin typeface="Consolas"/>
               </a:rPr>
-              <a:t>Analyse(</a:t>
+              <a:t> Analyse(</a:t>
             </a:r>
             <a:r>
               <a:rPr lang="da-DK" sz="1050" b="0" strike="noStrike" spc="-1" dirty="0">
@@ -18876,7 +18675,7 @@
     <mc:Choice Requires="p14">
       <p:transition p14:dur="10"/>
     </mc:Choice>
-    <mc:Fallback xmlns:p15="http://schemas.microsoft.com/office/powerpoint/2012/main" xmlns="">
+    <mc:Fallback xmlns="" xmlns:p15="http://schemas.microsoft.com/office/powerpoint/2012/main">
       <p:transition/>
     </mc:Fallback>
   </mc:AlternateContent>
@@ -19348,7 +19147,7 @@
     <mc:Choice Requires="p14">
       <p:transition p14:dur="10"/>
     </mc:Choice>
-    <mc:Fallback xmlns:p15="http://schemas.microsoft.com/office/powerpoint/2012/main" xmlns="">
+    <mc:Fallback xmlns="" xmlns:p15="http://schemas.microsoft.com/office/powerpoint/2012/main">
       <p:transition/>
     </mc:Fallback>
   </mc:AlternateContent>
@@ -19595,17 +19394,10 @@
     <mc:Choice Requires="p14">
       <p:transition p14:dur="10"/>
     </mc:Choice>
-    <mc:Fallback xmlns:p15="http://schemas.microsoft.com/office/powerpoint/2012/main" xmlns="">
+    <mc:Fallback xmlns="" xmlns:p15="http://schemas.microsoft.com/office/powerpoint/2012/main">
       <p:transition/>
     </mc:Fallback>
   </mc:AlternateContent>
-  <p:timing>
-    <p:tnLst>
-      <p:par>
-        <p:cTn id="1" dur="indefinite" restart="never" nodeType="tmRoot"/>
-      </p:par>
-    </p:tnLst>
-  </p:timing>
 </p:sld>
 </file>
 
@@ -19731,17 +19523,10 @@
     <mc:Choice Requires="p14">
       <p:transition p14:dur="10"/>
     </mc:Choice>
-    <mc:Fallback xmlns:p15="http://schemas.microsoft.com/office/powerpoint/2012/main" xmlns="">
+    <mc:Fallback xmlns="" xmlns:p15="http://schemas.microsoft.com/office/powerpoint/2012/main">
       <p:transition/>
     </mc:Fallback>
   </mc:AlternateContent>
-  <p:timing>
-    <p:tnLst>
-      <p:par>
-        <p:cTn id="1" dur="indefinite" restart="never" nodeType="tmRoot"/>
-      </p:par>
-    </p:tnLst>
-  </p:timing>
 </p:sld>
 </file>
 
@@ -20026,7 +19811,7 @@
     <mc:Choice Requires="p14">
       <p:transition p14:dur="10"/>
     </mc:Choice>
-    <mc:Fallback xmlns:p15="http://schemas.microsoft.com/office/powerpoint/2012/main" xmlns="">
+    <mc:Fallback xmlns="" xmlns:p15="http://schemas.microsoft.com/office/powerpoint/2012/main">
       <p:transition/>
     </mc:Fallback>
   </mc:AlternateContent>
@@ -20924,17 +20709,10 @@
     <mc:Choice Requires="p14">
       <p:transition p14:dur="10"/>
     </mc:Choice>
-    <mc:Fallback xmlns:p15="http://schemas.microsoft.com/office/powerpoint/2012/main" xmlns="">
+    <mc:Fallback xmlns="" xmlns:p15="http://schemas.microsoft.com/office/powerpoint/2012/main">
       <p:transition/>
     </mc:Fallback>
   </mc:AlternateContent>
-  <p:timing>
-    <p:tnLst>
-      <p:par>
-        <p:cTn id="1" dur="indefinite" restart="never" nodeType="tmRoot"/>
-      </p:par>
-    </p:tnLst>
-  </p:timing>
 </p:sld>
 </file>
 
@@ -21430,17 +21208,10 @@
     <mc:Choice Requires="p14">
       <p:transition p14:dur="10"/>
     </mc:Choice>
-    <mc:Fallback xmlns:p15="http://schemas.microsoft.com/office/powerpoint/2012/main" xmlns="">
+    <mc:Fallback xmlns="" xmlns:p15="http://schemas.microsoft.com/office/powerpoint/2012/main">
       <p:transition/>
     </mc:Fallback>
   </mc:AlternateContent>
-  <p:timing>
-    <p:tnLst>
-      <p:par>
-        <p:cTn id="1" dur="indefinite" restart="never" nodeType="tmRoot"/>
-      </p:par>
-    </p:tnLst>
-  </p:timing>
 </p:sld>
 </file>
 
@@ -21728,7 +21499,7 @@
               <a:t> </a:t>
             </a:r>
             <a:r>
-              <a:rPr lang="da-DK" sz="2400" b="0" strike="noStrike" spc="-1" dirty="0" err="1" smtClean="0">
+              <a:rPr lang="da-DK" sz="2400" b="0" strike="noStrike" spc="-1" dirty="0" err="1">
                 <a:solidFill>
                   <a:srgbClr val="000000"/>
                 </a:solidFill>
@@ -21737,7 +21508,7 @@
               <a:t>introduce</a:t>
             </a:r>
             <a:r>
-              <a:rPr lang="da-DK" sz="2400" b="0" strike="noStrike" spc="-1" dirty="0" smtClean="0">
+              <a:rPr lang="da-DK" sz="2400" b="0" strike="noStrike" spc="-1" dirty="0">
                 <a:solidFill>
                   <a:srgbClr val="000000"/>
                 </a:solidFill>
@@ -21746,7 +21517,7 @@
               <a:t> an </a:t>
             </a:r>
             <a:r>
-              <a:rPr lang="da-DK" sz="2400" b="0" strike="noStrike" spc="-1" dirty="0" err="1" smtClean="0">
+              <a:rPr lang="da-DK" sz="2400" b="0" strike="noStrike" spc="-1" dirty="0" err="1">
                 <a:solidFill>
                   <a:srgbClr val="000000"/>
                 </a:solidFill>
@@ -21755,7 +21526,7 @@
               <a:t>superclass</a:t>
             </a:r>
             <a:r>
-              <a:rPr lang="da-DK" sz="2400" b="0" strike="noStrike" spc="-1" dirty="0" smtClean="0">
+              <a:rPr lang="da-DK" sz="2400" b="0" strike="noStrike" spc="-1" dirty="0">
                 <a:solidFill>
                   <a:srgbClr val="000000"/>
                 </a:solidFill>
@@ -22158,27 +21929,18 @@
                 </a:solidFill>
                 <a:latin typeface="Calibri"/>
               </a:rPr>
-              <a:t> </a:t>
-            </a:r>
-            <a:r>
-              <a:rPr lang="da-DK" sz="1600" b="0" strike="noStrike" spc="-1" dirty="0" smtClean="0">
+              <a:t> is </a:t>
+            </a:r>
+            <a:r>
+              <a:rPr lang="da-DK" sz="1600" b="0" strike="noStrike" spc="-1" dirty="0" err="1">
                 <a:solidFill>
                   <a:srgbClr val="000000"/>
                 </a:solidFill>
                 <a:latin typeface="Calibri"/>
               </a:rPr>
-              <a:t>is </a:t>
-            </a:r>
-            <a:r>
-              <a:rPr lang="da-DK" sz="1600" b="0" strike="noStrike" spc="-1" dirty="0" err="1" smtClean="0">
-                <a:solidFill>
-                  <a:srgbClr val="000000"/>
-                </a:solidFill>
-                <a:latin typeface="Calibri"/>
-              </a:rPr>
               <a:t>defined</a:t>
             </a:r>
-            <a:endParaRPr lang="da-DK" sz="1600" b="0" strike="noStrike" spc="-1" dirty="0" smtClean="0">
+            <a:endParaRPr lang="da-DK" sz="1600" b="0" strike="noStrike" spc="-1" dirty="0">
               <a:solidFill>
                 <a:srgbClr val="000000"/>
               </a:solidFill>
@@ -22192,7 +21954,7 @@
               </a:lnSpc>
             </a:pPr>
             <a:r>
-              <a:rPr lang="en-US" sz="1600" spc="-1" dirty="0" smtClean="0">
+              <a:rPr lang="en-US" sz="1600" spc="-1" dirty="0">
                 <a:solidFill>
                   <a:srgbClr val="000000"/>
                 </a:solidFill>
@@ -22294,7 +22056,7 @@
     <mc:Choice Requires="p14">
       <p:transition p14:dur="10"/>
     </mc:Choice>
-    <mc:Fallback xmlns:p15="http://schemas.microsoft.com/office/powerpoint/2012/main" xmlns="">
+    <mc:Fallback xmlns="" xmlns:p15="http://schemas.microsoft.com/office/powerpoint/2012/main">
       <p:transition/>
     </mc:Fallback>
   </mc:AlternateContent>
@@ -22602,17 +22364,10 @@
     <mc:Choice Requires="p14">
       <p:transition p14:dur="10"/>
     </mc:Choice>
-    <mc:Fallback xmlns:p15="http://schemas.microsoft.com/office/powerpoint/2012/main" xmlns="">
+    <mc:Fallback xmlns="" xmlns:p15="http://schemas.microsoft.com/office/powerpoint/2012/main">
       <p:transition/>
     </mc:Fallback>
   </mc:AlternateContent>
-  <p:timing>
-    <p:tnLst>
-      <p:par>
-        <p:cTn id="1" dur="indefinite" restart="never" nodeType="tmRoot"/>
-      </p:par>
-    </p:tnLst>
-  </p:timing>
 </p:sld>
 </file>
 
@@ -22764,7 +22519,7 @@
     <mc:Choice Requires="p14">
       <p:transition p14:dur="10"/>
     </mc:Choice>
-    <mc:Fallback xmlns:p15="http://schemas.microsoft.com/office/powerpoint/2012/main" xmlns="">
+    <mc:Fallback xmlns="" xmlns:p15="http://schemas.microsoft.com/office/powerpoint/2012/main">
       <p:transition/>
     </mc:Fallback>
   </mc:AlternateContent>

--- a/01 Intro + Opsamling + Interfaces/OO recap.pptx
+++ b/01 Intro + Opsamling + Interfaces/OO recap.pptx
@@ -7258,7 +7258,7 @@
     <mc:Choice Requires="p14">
       <p:transition p14:dur="10"/>
     </mc:Choice>
-    <mc:Fallback xmlns="" xmlns:p15="http://schemas.microsoft.com/office/powerpoint/2012/main">
+    <mc:Fallback xmlns:p15="http://schemas.microsoft.com/office/powerpoint/2012/main" xmlns="">
       <p:transition/>
     </mc:Fallback>
   </mc:AlternateContent>
@@ -7670,7 +7670,7 @@
     <mc:Choice Requires="p14">
       <p:transition p14:dur="10"/>
     </mc:Choice>
-    <mc:Fallback xmlns="" xmlns:p15="http://schemas.microsoft.com/office/powerpoint/2012/main">
+    <mc:Fallback xmlns:p15="http://schemas.microsoft.com/office/powerpoint/2012/main" xmlns="">
       <p:transition/>
     </mc:Fallback>
   </mc:AlternateContent>
@@ -8340,7 +8340,7 @@
     <mc:Choice Requires="p14">
       <p:transition p14:dur="10"/>
     </mc:Choice>
-    <mc:Fallback xmlns="" xmlns:p15="http://schemas.microsoft.com/office/powerpoint/2012/main">
+    <mc:Fallback xmlns:p15="http://schemas.microsoft.com/office/powerpoint/2012/main" xmlns="">
       <p:transition/>
     </mc:Fallback>
   </mc:AlternateContent>
@@ -9674,7 +9674,7 @@
     <mc:Choice Requires="p14">
       <p:transition p14:dur="10"/>
     </mc:Choice>
-    <mc:Fallback xmlns="" xmlns:p15="http://schemas.microsoft.com/office/powerpoint/2012/main">
+    <mc:Fallback xmlns:p15="http://schemas.microsoft.com/office/powerpoint/2012/main" xmlns="">
       <p:transition/>
     </mc:Fallback>
   </mc:AlternateContent>
@@ -11415,7 +11415,7 @@
     <mc:Choice Requires="p14">
       <p:transition p14:dur="10"/>
     </mc:Choice>
-    <mc:Fallback xmlns="" xmlns:p15="http://schemas.microsoft.com/office/powerpoint/2012/main">
+    <mc:Fallback xmlns:p15="http://schemas.microsoft.com/office/powerpoint/2012/main" xmlns="">
       <p:transition/>
     </mc:Fallback>
   </mc:AlternateContent>
@@ -12936,7 +12936,7 @@
     <mc:Choice Requires="p14">
       <p:transition p14:dur="10"/>
     </mc:Choice>
-    <mc:Fallback xmlns="" xmlns:p15="http://schemas.microsoft.com/office/powerpoint/2012/main">
+    <mc:Fallback xmlns:p15="http://schemas.microsoft.com/office/powerpoint/2012/main" xmlns="">
       <p:transition/>
     </mc:Fallback>
   </mc:AlternateContent>
@@ -13311,7 +13311,7 @@
     <mc:Choice Requires="p14">
       <p:transition p14:dur="10"/>
     </mc:Choice>
-    <mc:Fallback xmlns="" xmlns:p15="http://schemas.microsoft.com/office/powerpoint/2012/main">
+    <mc:Fallback xmlns:p15="http://schemas.microsoft.com/office/powerpoint/2012/main" xmlns="">
       <p:transition/>
     </mc:Fallback>
   </mc:AlternateContent>
@@ -13619,7 +13619,7 @@
     <mc:Choice Requires="p14">
       <p:transition p14:dur="10"/>
     </mc:Choice>
-    <mc:Fallback xmlns="" xmlns:p15="http://schemas.microsoft.com/office/powerpoint/2012/main">
+    <mc:Fallback xmlns:p15="http://schemas.microsoft.com/office/powerpoint/2012/main" xmlns="">
       <p:transition/>
     </mc:Fallback>
   </mc:AlternateContent>
@@ -14113,7 +14113,7 @@
     <mc:Choice Requires="p14">
       <p:transition p14:dur="10"/>
     </mc:Choice>
-    <mc:Fallback xmlns="" xmlns:p15="http://schemas.microsoft.com/office/powerpoint/2012/main">
+    <mc:Fallback xmlns:p15="http://schemas.microsoft.com/office/powerpoint/2012/main" xmlns="">
       <p:transition/>
     </mc:Fallback>
   </mc:AlternateContent>
@@ -14619,7 +14619,7 @@
     <mc:Choice Requires="p14">
       <p:transition p14:dur="10"/>
     </mc:Choice>
-    <mc:Fallback xmlns="" xmlns:p15="http://schemas.microsoft.com/office/powerpoint/2012/main">
+    <mc:Fallback xmlns:p15="http://schemas.microsoft.com/office/powerpoint/2012/main" xmlns="">
       <p:transition/>
     </mc:Fallback>
   </mc:AlternateContent>
@@ -15770,7 +15770,7 @@
     <mc:Choice Requires="p14">
       <p:transition p14:dur="10"/>
     </mc:Choice>
-    <mc:Fallback xmlns="" xmlns:p15="http://schemas.microsoft.com/office/powerpoint/2012/main">
+    <mc:Fallback xmlns:p15="http://schemas.microsoft.com/office/powerpoint/2012/main" xmlns="">
       <p:transition/>
     </mc:Fallback>
   </mc:AlternateContent>
@@ -16146,7 +16146,7 @@
     <mc:Choice Requires="p14">
       <p:transition p14:dur="10"/>
     </mc:Choice>
-    <mc:Fallback xmlns="" xmlns:p15="http://schemas.microsoft.com/office/powerpoint/2012/main">
+    <mc:Fallback xmlns:p15="http://schemas.microsoft.com/office/powerpoint/2012/main" xmlns="">
       <p:transition/>
     </mc:Fallback>
   </mc:AlternateContent>
@@ -16940,7 +16940,7 @@
     <mc:Choice Requires="p14">
       <p:transition p14:dur="10"/>
     </mc:Choice>
-    <mc:Fallback xmlns="" xmlns:p15="http://schemas.microsoft.com/office/powerpoint/2012/main">
+    <mc:Fallback xmlns:p15="http://schemas.microsoft.com/office/powerpoint/2012/main" xmlns="">
       <p:transition/>
     </mc:Fallback>
   </mc:AlternateContent>
@@ -18675,7 +18675,7 @@
     <mc:Choice Requires="p14">
       <p:transition p14:dur="10"/>
     </mc:Choice>
-    <mc:Fallback xmlns="" xmlns:p15="http://schemas.microsoft.com/office/powerpoint/2012/main">
+    <mc:Fallback xmlns:p15="http://schemas.microsoft.com/office/powerpoint/2012/main" xmlns="">
       <p:transition/>
     </mc:Fallback>
   </mc:AlternateContent>
@@ -19147,7 +19147,7 @@
     <mc:Choice Requires="p14">
       <p:transition p14:dur="10"/>
     </mc:Choice>
-    <mc:Fallback xmlns="" xmlns:p15="http://schemas.microsoft.com/office/powerpoint/2012/main">
+    <mc:Fallback xmlns:p15="http://schemas.microsoft.com/office/powerpoint/2012/main" xmlns="">
       <p:transition/>
     </mc:Fallback>
   </mc:AlternateContent>
@@ -19394,7 +19394,7 @@
     <mc:Choice Requires="p14">
       <p:transition p14:dur="10"/>
     </mc:Choice>
-    <mc:Fallback xmlns="" xmlns:p15="http://schemas.microsoft.com/office/powerpoint/2012/main">
+    <mc:Fallback xmlns:p15="http://schemas.microsoft.com/office/powerpoint/2012/main" xmlns="">
       <p:transition/>
     </mc:Fallback>
   </mc:AlternateContent>
@@ -19523,7 +19523,7 @@
     <mc:Choice Requires="p14">
       <p:transition p14:dur="10"/>
     </mc:Choice>
-    <mc:Fallback xmlns="" xmlns:p15="http://schemas.microsoft.com/office/powerpoint/2012/main">
+    <mc:Fallback xmlns:p15="http://schemas.microsoft.com/office/powerpoint/2012/main" xmlns="">
       <p:transition/>
     </mc:Fallback>
   </mc:AlternateContent>
@@ -19811,7 +19811,7 @@
     <mc:Choice Requires="p14">
       <p:transition p14:dur="10"/>
     </mc:Choice>
-    <mc:Fallback xmlns="" xmlns:p15="http://schemas.microsoft.com/office/powerpoint/2012/main">
+    <mc:Fallback xmlns:p15="http://schemas.microsoft.com/office/powerpoint/2012/main" xmlns="">
       <p:transition/>
     </mc:Fallback>
   </mc:AlternateContent>
@@ -20709,7 +20709,7 @@
     <mc:Choice Requires="p14">
       <p:transition p14:dur="10"/>
     </mc:Choice>
-    <mc:Fallback xmlns="" xmlns:p15="http://schemas.microsoft.com/office/powerpoint/2012/main">
+    <mc:Fallback xmlns:p15="http://schemas.microsoft.com/office/powerpoint/2012/main" xmlns="">
       <p:transition/>
     </mc:Fallback>
   </mc:AlternateContent>
@@ -21208,7 +21208,7 @@
     <mc:Choice Requires="p14">
       <p:transition p14:dur="10"/>
     </mc:Choice>
-    <mc:Fallback xmlns="" xmlns:p15="http://schemas.microsoft.com/office/powerpoint/2012/main">
+    <mc:Fallback xmlns:p15="http://schemas.microsoft.com/office/powerpoint/2012/main" xmlns="">
       <p:transition/>
     </mc:Fallback>
   </mc:AlternateContent>
@@ -22056,7 +22056,7 @@
     <mc:Choice Requires="p14">
       <p:transition p14:dur="10"/>
     </mc:Choice>
-    <mc:Fallback xmlns="" xmlns:p15="http://schemas.microsoft.com/office/powerpoint/2012/main">
+    <mc:Fallback xmlns:p15="http://schemas.microsoft.com/office/powerpoint/2012/main" xmlns="">
       <p:transition/>
     </mc:Fallback>
   </mc:AlternateContent>
@@ -22364,7 +22364,7 @@
     <mc:Choice Requires="p14">
       <p:transition p14:dur="10"/>
     </mc:Choice>
-    <mc:Fallback xmlns="" xmlns:p15="http://schemas.microsoft.com/office/powerpoint/2012/main">
+    <mc:Fallback xmlns:p15="http://schemas.microsoft.com/office/powerpoint/2012/main" xmlns="">
       <p:transition/>
     </mc:Fallback>
   </mc:AlternateContent>
@@ -22519,7 +22519,7 @@
     <mc:Choice Requires="p14">
       <p:transition p14:dur="10"/>
     </mc:Choice>
-    <mc:Fallback xmlns="" xmlns:p15="http://schemas.microsoft.com/office/powerpoint/2012/main">
+    <mc:Fallback xmlns:p15="http://schemas.microsoft.com/office/powerpoint/2012/main" xmlns="">
       <p:transition/>
     </mc:Fallback>
   </mc:AlternateContent>

--- a/01 Intro + Opsamling + Interfaces/OO recap.pptx
+++ b/01 Intro + Opsamling + Interfaces/OO recap.pptx
@@ -7258,7 +7258,7 @@
     <mc:Choice Requires="p14">
       <p:transition p14:dur="10"/>
     </mc:Choice>
-    <mc:Fallback xmlns:p15="http://schemas.microsoft.com/office/powerpoint/2012/main" xmlns="">
+    <mc:Fallback xmlns="" xmlns:p15="http://schemas.microsoft.com/office/powerpoint/2012/main">
       <p:transition/>
     </mc:Fallback>
   </mc:AlternateContent>
@@ -7338,7 +7338,7 @@
         </p:nvSpPr>
         <p:spPr>
           <a:xfrm>
-            <a:off x="457200" y="1556640"/>
+            <a:off x="476460" y="1385640"/>
             <a:ext cx="8229240" cy="4680000"/>
           </a:xfrm>
           <a:prstGeom prst="rect">
@@ -7670,7 +7670,7 @@
     <mc:Choice Requires="p14">
       <p:transition p14:dur="10"/>
     </mc:Choice>
-    <mc:Fallback xmlns:p15="http://schemas.microsoft.com/office/powerpoint/2012/main" xmlns="">
+    <mc:Fallback xmlns="" xmlns:p15="http://schemas.microsoft.com/office/powerpoint/2012/main">
       <p:transition/>
     </mc:Fallback>
   </mc:AlternateContent>
@@ -8340,7 +8340,7 @@
     <mc:Choice Requires="p14">
       <p:transition p14:dur="10"/>
     </mc:Choice>
-    <mc:Fallback xmlns:p15="http://schemas.microsoft.com/office/powerpoint/2012/main" xmlns="">
+    <mc:Fallback xmlns="" xmlns:p15="http://schemas.microsoft.com/office/powerpoint/2012/main">
       <p:transition/>
     </mc:Fallback>
   </mc:AlternateContent>
@@ -9674,7 +9674,7 @@
     <mc:Choice Requires="p14">
       <p:transition p14:dur="10"/>
     </mc:Choice>
-    <mc:Fallback xmlns:p15="http://schemas.microsoft.com/office/powerpoint/2012/main" xmlns="">
+    <mc:Fallback xmlns="" xmlns:p15="http://schemas.microsoft.com/office/powerpoint/2012/main">
       <p:transition/>
     </mc:Fallback>
   </mc:AlternateContent>
@@ -11415,7 +11415,7 @@
     <mc:Choice Requires="p14">
       <p:transition p14:dur="10"/>
     </mc:Choice>
-    <mc:Fallback xmlns:p15="http://schemas.microsoft.com/office/powerpoint/2012/main" xmlns="">
+    <mc:Fallback xmlns="" xmlns:p15="http://schemas.microsoft.com/office/powerpoint/2012/main">
       <p:transition/>
     </mc:Fallback>
   </mc:AlternateContent>
@@ -12936,7 +12936,7 @@
     <mc:Choice Requires="p14">
       <p:transition p14:dur="10"/>
     </mc:Choice>
-    <mc:Fallback xmlns:p15="http://schemas.microsoft.com/office/powerpoint/2012/main" xmlns="">
+    <mc:Fallback xmlns="" xmlns:p15="http://schemas.microsoft.com/office/powerpoint/2012/main">
       <p:transition/>
     </mc:Fallback>
   </mc:AlternateContent>
@@ -13311,7 +13311,7 @@
     <mc:Choice Requires="p14">
       <p:transition p14:dur="10"/>
     </mc:Choice>
-    <mc:Fallback xmlns:p15="http://schemas.microsoft.com/office/powerpoint/2012/main" xmlns="">
+    <mc:Fallback xmlns="" xmlns:p15="http://schemas.microsoft.com/office/powerpoint/2012/main">
       <p:transition/>
     </mc:Fallback>
   </mc:AlternateContent>
@@ -13619,7 +13619,7 @@
     <mc:Choice Requires="p14">
       <p:transition p14:dur="10"/>
     </mc:Choice>
-    <mc:Fallback xmlns:p15="http://schemas.microsoft.com/office/powerpoint/2012/main" xmlns="">
+    <mc:Fallback xmlns="" xmlns:p15="http://schemas.microsoft.com/office/powerpoint/2012/main">
       <p:transition/>
     </mc:Fallback>
   </mc:AlternateContent>
@@ -14113,7 +14113,7 @@
     <mc:Choice Requires="p14">
       <p:transition p14:dur="10"/>
     </mc:Choice>
-    <mc:Fallback xmlns:p15="http://schemas.microsoft.com/office/powerpoint/2012/main" xmlns="">
+    <mc:Fallback xmlns="" xmlns:p15="http://schemas.microsoft.com/office/powerpoint/2012/main">
       <p:transition/>
     </mc:Fallback>
   </mc:AlternateContent>
@@ -14619,7 +14619,7 @@
     <mc:Choice Requires="p14">
       <p:transition p14:dur="10"/>
     </mc:Choice>
-    <mc:Fallback xmlns:p15="http://schemas.microsoft.com/office/powerpoint/2012/main" xmlns="">
+    <mc:Fallback xmlns="" xmlns:p15="http://schemas.microsoft.com/office/powerpoint/2012/main">
       <p:transition/>
     </mc:Fallback>
   </mc:AlternateContent>
@@ -15770,7 +15770,7 @@
     <mc:Choice Requires="p14">
       <p:transition p14:dur="10"/>
     </mc:Choice>
-    <mc:Fallback xmlns:p15="http://schemas.microsoft.com/office/powerpoint/2012/main" xmlns="">
+    <mc:Fallback xmlns="" xmlns:p15="http://schemas.microsoft.com/office/powerpoint/2012/main">
       <p:transition/>
     </mc:Fallback>
   </mc:AlternateContent>
@@ -16146,7 +16146,7 @@
     <mc:Choice Requires="p14">
       <p:transition p14:dur="10"/>
     </mc:Choice>
-    <mc:Fallback xmlns:p15="http://schemas.microsoft.com/office/powerpoint/2012/main" xmlns="">
+    <mc:Fallback xmlns="" xmlns:p15="http://schemas.microsoft.com/office/powerpoint/2012/main">
       <p:transition/>
     </mc:Fallback>
   </mc:AlternateContent>
@@ -16940,7 +16940,7 @@
     <mc:Choice Requires="p14">
       <p:transition p14:dur="10"/>
     </mc:Choice>
-    <mc:Fallback xmlns:p15="http://schemas.microsoft.com/office/powerpoint/2012/main" xmlns="">
+    <mc:Fallback xmlns="" xmlns:p15="http://schemas.microsoft.com/office/powerpoint/2012/main">
       <p:transition/>
     </mc:Fallback>
   </mc:AlternateContent>
@@ -18675,7 +18675,7 @@
     <mc:Choice Requires="p14">
       <p:transition p14:dur="10"/>
     </mc:Choice>
-    <mc:Fallback xmlns:p15="http://schemas.microsoft.com/office/powerpoint/2012/main" xmlns="">
+    <mc:Fallback xmlns="" xmlns:p15="http://schemas.microsoft.com/office/powerpoint/2012/main">
       <p:transition/>
     </mc:Fallback>
   </mc:AlternateContent>
@@ -19147,7 +19147,7 @@
     <mc:Choice Requires="p14">
       <p:transition p14:dur="10"/>
     </mc:Choice>
-    <mc:Fallback xmlns:p15="http://schemas.microsoft.com/office/powerpoint/2012/main" xmlns="">
+    <mc:Fallback xmlns="" xmlns:p15="http://schemas.microsoft.com/office/powerpoint/2012/main">
       <p:transition/>
     </mc:Fallback>
   </mc:AlternateContent>
@@ -19394,7 +19394,7 @@
     <mc:Choice Requires="p14">
       <p:transition p14:dur="10"/>
     </mc:Choice>
-    <mc:Fallback xmlns:p15="http://schemas.microsoft.com/office/powerpoint/2012/main" xmlns="">
+    <mc:Fallback xmlns="" xmlns:p15="http://schemas.microsoft.com/office/powerpoint/2012/main">
       <p:transition/>
     </mc:Fallback>
   </mc:AlternateContent>
@@ -19523,7 +19523,7 @@
     <mc:Choice Requires="p14">
       <p:transition p14:dur="10"/>
     </mc:Choice>
-    <mc:Fallback xmlns:p15="http://schemas.microsoft.com/office/powerpoint/2012/main" xmlns="">
+    <mc:Fallback xmlns="" xmlns:p15="http://schemas.microsoft.com/office/powerpoint/2012/main">
       <p:transition/>
     </mc:Fallback>
   </mc:AlternateContent>
@@ -19634,15 +19634,132 @@
               <a:buChar char="•"/>
             </a:pPr>
             <a:r>
-              <a:rPr lang="da-DK" sz="2400" b="0" strike="noStrike" spc="-1">
+              <a:rPr lang="da-DK" sz="2400" b="0" strike="noStrike" spc="-1" dirty="0" err="1">
                 <a:solidFill>
                   <a:srgbClr val="000000"/>
                 </a:solidFill>
                 <a:latin typeface="Calibri"/>
               </a:rPr>
-              <a:t>Inheritance is often called an ”is-a”-relation. What does this mean?</a:t>
-            </a:r>
-            <a:endParaRPr lang="en-US" sz="2400" b="0" strike="noStrike" spc="-1">
+              <a:t>Inheritance</a:t>
+            </a:r>
+            <a:r>
+              <a:rPr lang="da-DK" sz="2400" b="0" strike="noStrike" spc="-1" dirty="0">
+                <a:solidFill>
+                  <a:srgbClr val="000000"/>
+                </a:solidFill>
+                <a:latin typeface="Calibri"/>
+              </a:rPr>
+              <a:t> is </a:t>
+            </a:r>
+            <a:r>
+              <a:rPr lang="da-DK" sz="2400" b="0" strike="noStrike" spc="-1" dirty="0" err="1">
+                <a:solidFill>
+                  <a:srgbClr val="000000"/>
+                </a:solidFill>
+                <a:latin typeface="Calibri"/>
+              </a:rPr>
+              <a:t>often</a:t>
+            </a:r>
+            <a:r>
+              <a:rPr lang="da-DK" sz="2400" b="0" strike="noStrike" spc="-1" dirty="0">
+                <a:solidFill>
+                  <a:srgbClr val="000000"/>
+                </a:solidFill>
+                <a:latin typeface="Calibri"/>
+              </a:rPr>
+              <a:t> </a:t>
+            </a:r>
+            <a:r>
+              <a:rPr lang="da-DK" sz="2400" b="0" strike="noStrike" spc="-1" dirty="0" err="1">
+                <a:solidFill>
+                  <a:srgbClr val="000000"/>
+                </a:solidFill>
+                <a:latin typeface="Calibri"/>
+              </a:rPr>
+              <a:t>called</a:t>
+            </a:r>
+            <a:r>
+              <a:rPr lang="da-DK" sz="2400" b="0" strike="noStrike" spc="-1" dirty="0">
+                <a:solidFill>
+                  <a:srgbClr val="000000"/>
+                </a:solidFill>
+                <a:latin typeface="Calibri"/>
+              </a:rPr>
+              <a:t> an ”is-a”-relation. </a:t>
+            </a:r>
+            <a:r>
+              <a:rPr lang="da-DK" sz="2400" b="0" strike="noStrike" spc="-1" dirty="0" err="1">
+                <a:solidFill>
+                  <a:srgbClr val="000000"/>
+                </a:solidFill>
+                <a:latin typeface="Calibri"/>
+              </a:rPr>
+              <a:t>What</a:t>
+            </a:r>
+            <a:r>
+              <a:rPr lang="da-DK" sz="2400" b="0" strike="noStrike" spc="-1" dirty="0">
+                <a:solidFill>
+                  <a:srgbClr val="000000"/>
+                </a:solidFill>
+                <a:latin typeface="Calibri"/>
+              </a:rPr>
+              <a:t> </a:t>
+            </a:r>
+            <a:r>
+              <a:rPr lang="da-DK" sz="2400" b="0" strike="noStrike" spc="-1" dirty="0" err="1">
+                <a:solidFill>
+                  <a:srgbClr val="000000"/>
+                </a:solidFill>
+                <a:latin typeface="Calibri"/>
+              </a:rPr>
+              <a:t>does</a:t>
+            </a:r>
+            <a:r>
+              <a:rPr lang="da-DK" sz="2400" b="0" strike="noStrike" spc="-1" dirty="0">
+                <a:solidFill>
+                  <a:srgbClr val="000000"/>
+                </a:solidFill>
+                <a:latin typeface="Calibri"/>
+              </a:rPr>
+              <a:t> </a:t>
+            </a:r>
+            <a:r>
+              <a:rPr lang="da-DK" sz="2400" b="0" strike="noStrike" spc="-1" dirty="0" err="1">
+                <a:solidFill>
+                  <a:srgbClr val="000000"/>
+                </a:solidFill>
+                <a:latin typeface="Calibri"/>
+              </a:rPr>
+              <a:t>this</a:t>
+            </a:r>
+            <a:r>
+              <a:rPr lang="da-DK" sz="2400" b="0" strike="noStrike" spc="-1" dirty="0">
+                <a:solidFill>
+                  <a:srgbClr val="000000"/>
+                </a:solidFill>
+                <a:latin typeface="Calibri"/>
+              </a:rPr>
+              <a:t> </a:t>
+            </a:r>
+            <a:r>
+              <a:rPr lang="da-DK" sz="2400" b="0" strike="noStrike" spc="-1" dirty="0" err="1">
+                <a:solidFill>
+                  <a:srgbClr val="000000"/>
+                </a:solidFill>
+                <a:latin typeface="Calibri"/>
+              </a:rPr>
+              <a:t>mean</a:t>
+            </a:r>
+            <a:r>
+              <a:rPr lang="da-DK" sz="2400" b="0" strike="noStrike" spc="-1" dirty="0">
+                <a:solidFill>
+                  <a:srgbClr val="000000"/>
+                </a:solidFill>
+                <a:latin typeface="Calibri"/>
+              </a:rPr>
+              <a:t>?</a:t>
+            </a:r>
+            <a:endParaRPr lang="en-US" sz="2400" b="0" strike="noStrike" spc="-1" dirty="0">
               <a:solidFill>
                 <a:srgbClr val="000000"/>
               </a:solidFill>
@@ -19658,7 +19775,7 @@
                 <a:spcPts val="479"/>
               </a:spcBef>
             </a:pPr>
-            <a:endParaRPr lang="en-US" sz="2400" b="0" strike="noStrike" spc="-1">
+            <a:endParaRPr lang="en-US" sz="2400" b="0" strike="noStrike" spc="-1" dirty="0">
               <a:solidFill>
                 <a:srgbClr val="000000"/>
               </a:solidFill>
@@ -19680,33 +19797,150 @@
               <a:buChar char="•"/>
             </a:pPr>
             <a:r>
-              <a:rPr lang="da-DK" sz="2400" b="0" strike="noStrike" spc="-1">
+              <a:rPr lang="da-DK" sz="2400" b="0" strike="noStrike" spc="-1" dirty="0" err="1">
                 <a:solidFill>
                   <a:srgbClr val="000000"/>
                 </a:solidFill>
                 <a:latin typeface="Calibri"/>
               </a:rPr>
-              <a:t>Inheritance of </a:t>
-            </a:r>
-            <a:r>
-              <a:rPr lang="da-DK" sz="2400" b="0" i="1" strike="noStrike" spc="-1">
+              <a:t>Inheritance</a:t>
+            </a:r>
+            <a:r>
+              <a:rPr lang="da-DK" sz="2400" b="0" strike="noStrike" spc="-1" dirty="0">
                 <a:solidFill>
                   <a:srgbClr val="000000"/>
                 </a:solidFill>
                 <a:latin typeface="Calibri"/>
               </a:rPr>
+              <a:t> of </a:t>
+            </a:r>
+            <a:r>
+              <a:rPr lang="da-DK" sz="2400" b="0" i="1" strike="noStrike" spc="-1" dirty="0" err="1">
+                <a:solidFill>
+                  <a:srgbClr val="000000"/>
+                </a:solidFill>
+                <a:latin typeface="Calibri"/>
+              </a:rPr>
               <a:t>implementation</a:t>
             </a:r>
             <a:r>
-              <a:rPr lang="da-DK" sz="2400" b="0" strike="noStrike" spc="-1">
+              <a:rPr lang="da-DK" sz="2400" b="0" strike="noStrike" spc="-1" dirty="0">
                 <a:solidFill>
                   <a:srgbClr val="000000"/>
                 </a:solidFill>
                 <a:latin typeface="Calibri"/>
               </a:rPr>
-              <a:t>: Subclasses can re-use methods etc. from superclass (under what circumstances?)</a:t>
-            </a:r>
-            <a:endParaRPr lang="en-US" sz="2400" b="0" strike="noStrike" spc="-1">
+              <a:t>: </a:t>
+            </a:r>
+            <a:r>
+              <a:rPr lang="da-DK" sz="2400" b="0" strike="noStrike" spc="-1" dirty="0" err="1">
+                <a:solidFill>
+                  <a:srgbClr val="000000"/>
+                </a:solidFill>
+                <a:latin typeface="Calibri"/>
+              </a:rPr>
+              <a:t>Subclasses</a:t>
+            </a:r>
+            <a:r>
+              <a:rPr lang="da-DK" sz="2400" b="0" strike="noStrike" spc="-1" dirty="0">
+                <a:solidFill>
+                  <a:srgbClr val="000000"/>
+                </a:solidFill>
+                <a:latin typeface="Calibri"/>
+              </a:rPr>
+              <a:t> </a:t>
+            </a:r>
+            <a:r>
+              <a:rPr lang="da-DK" sz="2400" b="0" strike="noStrike" spc="-1" dirty="0" err="1">
+                <a:solidFill>
+                  <a:srgbClr val="000000"/>
+                </a:solidFill>
+                <a:latin typeface="Calibri"/>
+              </a:rPr>
+              <a:t>can</a:t>
+            </a:r>
+            <a:r>
+              <a:rPr lang="da-DK" sz="2400" b="0" strike="noStrike" spc="-1" dirty="0">
+                <a:solidFill>
+                  <a:srgbClr val="000000"/>
+                </a:solidFill>
+                <a:latin typeface="Calibri"/>
+              </a:rPr>
+              <a:t> re-</a:t>
+            </a:r>
+            <a:r>
+              <a:rPr lang="da-DK" sz="2400" b="0" strike="noStrike" spc="-1" dirty="0" err="1">
+                <a:solidFill>
+                  <a:srgbClr val="000000"/>
+                </a:solidFill>
+                <a:latin typeface="Calibri"/>
+              </a:rPr>
+              <a:t>use</a:t>
+            </a:r>
+            <a:r>
+              <a:rPr lang="da-DK" sz="2400" b="0" strike="noStrike" spc="-1" dirty="0">
+                <a:solidFill>
+                  <a:srgbClr val="000000"/>
+                </a:solidFill>
+                <a:latin typeface="Calibri"/>
+              </a:rPr>
+              <a:t> </a:t>
+            </a:r>
+            <a:r>
+              <a:rPr lang="da-DK" sz="2400" b="0" strike="noStrike" spc="-1" dirty="0" err="1">
+                <a:solidFill>
+                  <a:srgbClr val="000000"/>
+                </a:solidFill>
+                <a:latin typeface="Calibri"/>
+              </a:rPr>
+              <a:t>methods</a:t>
+            </a:r>
+            <a:r>
+              <a:rPr lang="da-DK" sz="2400" b="0" strike="noStrike" spc="-1" dirty="0">
+                <a:solidFill>
+                  <a:srgbClr val="000000"/>
+                </a:solidFill>
+                <a:latin typeface="Calibri"/>
+              </a:rPr>
+              <a:t> etc. from superclass (under </a:t>
+            </a:r>
+            <a:r>
+              <a:rPr lang="da-DK" sz="2400" b="0" strike="noStrike" spc="-1" dirty="0" err="1">
+                <a:solidFill>
+                  <a:srgbClr val="000000"/>
+                </a:solidFill>
+                <a:latin typeface="Calibri"/>
+              </a:rPr>
+              <a:t>what</a:t>
+            </a:r>
+            <a:r>
+              <a:rPr lang="da-DK" sz="2400" b="0" strike="noStrike" spc="-1" dirty="0">
+                <a:solidFill>
+                  <a:srgbClr val="000000"/>
+                </a:solidFill>
+                <a:latin typeface="Calibri"/>
+              </a:rPr>
+              <a:t> </a:t>
+            </a:r>
+            <a:r>
+              <a:rPr lang="da-DK" sz="2400" b="0" strike="noStrike" spc="-1" dirty="0" err="1">
+                <a:solidFill>
+                  <a:srgbClr val="000000"/>
+                </a:solidFill>
+                <a:latin typeface="Calibri"/>
+              </a:rPr>
+              <a:t>circumstances</a:t>
+            </a:r>
+            <a:r>
+              <a:rPr lang="da-DK" sz="2400" b="0" strike="noStrike" spc="-1" dirty="0">
+                <a:solidFill>
+                  <a:srgbClr val="000000"/>
+                </a:solidFill>
+                <a:latin typeface="Calibri"/>
+              </a:rPr>
+              <a:t>?)</a:t>
+            </a:r>
+            <a:endParaRPr lang="en-US" sz="2400" b="0" strike="noStrike" spc="-1" dirty="0">
               <a:solidFill>
                 <a:srgbClr val="000000"/>
               </a:solidFill>
@@ -19722,7 +19956,7 @@
                 <a:spcPts val="479"/>
               </a:spcBef>
             </a:pPr>
-            <a:endParaRPr lang="en-US" sz="2400" b="0" strike="noStrike" spc="-1">
+            <a:endParaRPr lang="en-US" sz="2400" b="0" strike="noStrike" spc="-1" dirty="0">
               <a:solidFill>
                 <a:srgbClr val="000000"/>
               </a:solidFill>
@@ -19744,33 +19978,96 @@
               <a:buChar char="•"/>
             </a:pPr>
             <a:r>
-              <a:rPr lang="da-DK" sz="2400" b="0" strike="noStrike" spc="-1">
+              <a:rPr lang="da-DK" sz="2400" b="0" strike="noStrike" spc="-1" dirty="0" err="1">
                 <a:solidFill>
                   <a:srgbClr val="000000"/>
                 </a:solidFill>
                 <a:latin typeface="Calibri"/>
               </a:rPr>
-              <a:t>Inheritance of </a:t>
-            </a:r>
-            <a:r>
-              <a:rPr lang="da-DK" sz="2400" b="0" i="1" strike="noStrike" spc="-1">
+              <a:t>Inheritance</a:t>
+            </a:r>
+            <a:r>
+              <a:rPr lang="da-DK" sz="2400" b="0" strike="noStrike" spc="-1" dirty="0">
                 <a:solidFill>
                   <a:srgbClr val="000000"/>
                 </a:solidFill>
                 <a:latin typeface="Calibri"/>
               </a:rPr>
+              <a:t> of </a:t>
+            </a:r>
+            <a:r>
+              <a:rPr lang="da-DK" sz="2400" b="0" i="1" strike="noStrike" spc="-1" dirty="0" err="1">
+                <a:solidFill>
+                  <a:srgbClr val="000000"/>
+                </a:solidFill>
+                <a:latin typeface="Calibri"/>
+              </a:rPr>
               <a:t>identity</a:t>
             </a:r>
             <a:r>
-              <a:rPr lang="da-DK" sz="2400" b="0" strike="noStrike" spc="-1">
+              <a:rPr lang="da-DK" sz="2400" b="0" strike="noStrike" spc="-1" dirty="0">
                 <a:solidFill>
                   <a:srgbClr val="000000"/>
                 </a:solidFill>
                 <a:latin typeface="Calibri"/>
               </a:rPr>
-              <a:t>: Subclasses may substitute s</a:t>
-            </a:r>
-            <a:endParaRPr lang="en-US" sz="2400" b="0" strike="noStrike" spc="-1">
+              <a:t>: </a:t>
+            </a:r>
+            <a:r>
+              <a:rPr lang="da-DK" sz="2400" b="0" strike="noStrike" spc="-1" dirty="0" err="1">
+                <a:solidFill>
+                  <a:srgbClr val="000000"/>
+                </a:solidFill>
+                <a:latin typeface="Calibri"/>
+              </a:rPr>
+              <a:t>Subclasses</a:t>
+            </a:r>
+            <a:r>
+              <a:rPr lang="da-DK" sz="2400" b="0" strike="noStrike" spc="-1" dirty="0">
+                <a:solidFill>
+                  <a:srgbClr val="000000"/>
+                </a:solidFill>
+                <a:latin typeface="Calibri"/>
+              </a:rPr>
+              <a:t> </a:t>
+            </a:r>
+            <a:r>
+              <a:rPr lang="da-DK" sz="2400" b="0" strike="noStrike" spc="-1" dirty="0" err="1">
+                <a:solidFill>
+                  <a:srgbClr val="000000"/>
+                </a:solidFill>
+                <a:latin typeface="Calibri"/>
+              </a:rPr>
+              <a:t>may</a:t>
+            </a:r>
+            <a:r>
+              <a:rPr lang="da-DK" sz="2400" b="0" strike="noStrike" spc="-1" dirty="0">
+                <a:solidFill>
+                  <a:srgbClr val="000000"/>
+                </a:solidFill>
+                <a:latin typeface="Calibri"/>
+              </a:rPr>
+              <a:t> </a:t>
+            </a:r>
+            <a:r>
+              <a:rPr lang="da-DK" sz="2400" b="0" strike="noStrike" spc="-1" dirty="0" err="1">
+                <a:solidFill>
+                  <a:srgbClr val="000000"/>
+                </a:solidFill>
+                <a:latin typeface="Calibri"/>
+              </a:rPr>
+              <a:t>substitute</a:t>
+            </a:r>
+            <a:r>
+              <a:rPr lang="da-DK" sz="2400" b="0" strike="noStrike" spc="-1" dirty="0">
+                <a:solidFill>
+                  <a:srgbClr val="000000"/>
+                </a:solidFill>
+                <a:latin typeface="Calibri"/>
+              </a:rPr>
+              <a:t> s</a:t>
+            </a:r>
+            <a:endParaRPr lang="en-US" sz="2400" b="0" strike="noStrike" spc="-1" dirty="0">
               <a:solidFill>
                 <a:srgbClr val="000000"/>
               </a:solidFill>
@@ -19811,7 +20108,7 @@
     <mc:Choice Requires="p14">
       <p:transition p14:dur="10"/>
     </mc:Choice>
-    <mc:Fallback xmlns:p15="http://schemas.microsoft.com/office/powerpoint/2012/main" xmlns="">
+    <mc:Fallback xmlns="" xmlns:p15="http://schemas.microsoft.com/office/powerpoint/2012/main">
       <p:transition/>
     </mc:Fallback>
   </mc:AlternateContent>
@@ -20709,7 +21006,7 @@
     <mc:Choice Requires="p14">
       <p:transition p14:dur="10"/>
     </mc:Choice>
-    <mc:Fallback xmlns:p15="http://schemas.microsoft.com/office/powerpoint/2012/main" xmlns="">
+    <mc:Fallback xmlns="" xmlns:p15="http://schemas.microsoft.com/office/powerpoint/2012/main">
       <p:transition/>
     </mc:Fallback>
   </mc:AlternateContent>
@@ -21208,7 +21505,7 @@
     <mc:Choice Requires="p14">
       <p:transition p14:dur="10"/>
     </mc:Choice>
-    <mc:Fallback xmlns:p15="http://schemas.microsoft.com/office/powerpoint/2012/main" xmlns="">
+    <mc:Fallback xmlns="" xmlns:p15="http://schemas.microsoft.com/office/powerpoint/2012/main">
       <p:transition/>
     </mc:Fallback>
   </mc:AlternateContent>
@@ -22056,7 +22353,7 @@
     <mc:Choice Requires="p14">
       <p:transition p14:dur="10"/>
     </mc:Choice>
-    <mc:Fallback xmlns:p15="http://schemas.microsoft.com/office/powerpoint/2012/main" xmlns="">
+    <mc:Fallback xmlns="" xmlns:p15="http://schemas.microsoft.com/office/powerpoint/2012/main">
       <p:transition/>
     </mc:Fallback>
   </mc:AlternateContent>
@@ -22364,7 +22661,7 @@
     <mc:Choice Requires="p14">
       <p:transition p14:dur="10"/>
     </mc:Choice>
-    <mc:Fallback xmlns:p15="http://schemas.microsoft.com/office/powerpoint/2012/main" xmlns="">
+    <mc:Fallback xmlns="" xmlns:p15="http://schemas.microsoft.com/office/powerpoint/2012/main">
       <p:transition/>
     </mc:Fallback>
   </mc:AlternateContent>
@@ -22519,7 +22816,7 @@
     <mc:Choice Requires="p14">
       <p:transition p14:dur="10"/>
     </mc:Choice>
-    <mc:Fallback xmlns:p15="http://schemas.microsoft.com/office/powerpoint/2012/main" xmlns="">
+    <mc:Fallback xmlns="" xmlns:p15="http://schemas.microsoft.com/office/powerpoint/2012/main">
       <p:transition/>
     </mc:Fallback>
   </mc:AlternateContent>
